--- a/Computer Vision Project 5.pptx
+++ b/Computer Vision Project 5.pptx
@@ -131,8 +131,38 @@
     <p1510:client id="{00020368-DED3-B596-ED11-E9A19E67CBC6}" v="2" dt="2024-05-12T17:39:36.495"/>
     <p1510:client id="{4AB049EF-2A10-FCE9-6220-853434F09A8D}" v="928" dt="2024-05-12T19:50:53.482"/>
     <p1510:client id="{77D03AB4-444E-5F4E-E070-7162DCFB3C45}" v="69" dt="2024-05-12T15:07:57.507"/>
+    <p1510:client id="{B8FC54FB-9EAE-4F34-BD5B-0C4B72B3C0D8}" v="1" dt="2024-05-12T20:00:54.547"/>
   </p1510:revLst>
 </p1510:revInfo>
+</file>
+
+<file path=ppt/changesInfos/changesInfo1.xml><?xml version="1.0" encoding="utf-8"?>
+<pc:chgInfo xmlns:a="http://schemas.openxmlformats.org/drawingml/2006/main" xmlns:r="http://schemas.openxmlformats.org/officeDocument/2006/relationships" xmlns:ac="http://schemas.microsoft.com/office/drawing/2013/main/command" xmlns:pc="http://schemas.microsoft.com/office/powerpoint/2013/main/command">
+  <pc:docChgLst>
+    <pc:chgData name="Youssef Ghoneim" userId="aa0532cc-cf96-44ad-a3b4-b004cefc178c" providerId="ADAL" clId="{B8FC54FB-9EAE-4F34-BD5B-0C4B72B3C0D8}"/>
+    <pc:docChg chg="undo custSel modSld">
+      <pc:chgData name="Youssef Ghoneim" userId="aa0532cc-cf96-44ad-a3b4-b004cefc178c" providerId="ADAL" clId="{B8FC54FB-9EAE-4F34-BD5B-0C4B72B3C0D8}" dt="2024-05-12T20:01:10.724" v="17"/>
+      <pc:docMkLst>
+        <pc:docMk/>
+      </pc:docMkLst>
+      <pc:sldChg chg="modSp mod">
+        <pc:chgData name="Youssef Ghoneim" userId="aa0532cc-cf96-44ad-a3b4-b004cefc178c" providerId="ADAL" clId="{B8FC54FB-9EAE-4F34-BD5B-0C4B72B3C0D8}" dt="2024-05-12T20:01:10.724" v="17"/>
+        <pc:sldMkLst>
+          <pc:docMk/>
+          <pc:sldMk cId="1949661022" sldId="256"/>
+        </pc:sldMkLst>
+        <pc:spChg chg="mod">
+          <ac:chgData name="Youssef Ghoneim" userId="aa0532cc-cf96-44ad-a3b4-b004cefc178c" providerId="ADAL" clId="{B8FC54FB-9EAE-4F34-BD5B-0C4B72B3C0D8}" dt="2024-05-12T20:01:10.724" v="17"/>
+          <ac:spMkLst>
+            <pc:docMk/>
+            <pc:sldMk cId="1949661022" sldId="256"/>
+            <ac:spMk id="3" creationId="{00000000-0000-0000-0000-000000000000}"/>
+          </ac:spMkLst>
+        </pc:spChg>
+      </pc:sldChg>
+    </pc:docChg>
+  </pc:docChgLst>
+</pc:chgInfo>
 </file>
 
 <file path=ppt/slideLayouts/slideLayout1.xml><?xml version="1.0" encoding="utf-8"?>
@@ -361,7 +391,7 @@
           <a:p>
             <a:fld id="{9BE96E13-98C0-411D-82DB-35DEDF20A67C}" type="datetimeFigureOut">
               <a:rPr lang="en-US" smtClean="0"/>
-              <a:t>5/12/2024</a:t>
+              <a:t>5/13/2024</a:t>
             </a:fld>
             <a:endParaRPr lang="en-US" dirty="0"/>
           </a:p>
@@ -569,7 +599,7 @@
           <a:p>
             <a:fld id="{9BE96E13-98C0-411D-82DB-35DEDF20A67C}" type="datetimeFigureOut">
               <a:rPr lang="en-US" smtClean="0"/>
-              <a:t>5/12/2024</a:t>
+              <a:t>5/13/2024</a:t>
             </a:fld>
             <a:endParaRPr lang="en-US"/>
           </a:p>
@@ -825,7 +855,7 @@
           <a:p>
             <a:fld id="{9BE96E13-98C0-411D-82DB-35DEDF20A67C}" type="datetimeFigureOut">
               <a:rPr lang="en-US" smtClean="0"/>
-              <a:t>5/12/2024</a:t>
+              <a:t>5/13/2024</a:t>
             </a:fld>
             <a:endParaRPr lang="en-US"/>
           </a:p>
@@ -997,7 +1027,7 @@
           <a:p>
             <a:fld id="{9BE96E13-98C0-411D-82DB-35DEDF20A67C}" type="datetimeFigureOut">
               <a:rPr lang="en-US" smtClean="0"/>
-              <a:t>5/12/2024</a:t>
+              <a:t>5/13/2024</a:t>
             </a:fld>
             <a:endParaRPr lang="en-US"/>
           </a:p>
@@ -1332,7 +1362,7 @@
           <a:p>
             <a:fld id="{9BE96E13-98C0-411D-82DB-35DEDF20A67C}" type="datetimeFigureOut">
               <a:rPr lang="en-US" smtClean="0"/>
-              <a:t>5/12/2024</a:t>
+              <a:t>5/13/2024</a:t>
             </a:fld>
             <a:endParaRPr lang="en-US"/>
           </a:p>
@@ -1607,7 +1637,7 @@
           <a:p>
             <a:fld id="{9BE96E13-98C0-411D-82DB-35DEDF20A67C}" type="datetimeFigureOut">
               <a:rPr lang="en-US" smtClean="0"/>
-              <a:t>5/12/2024</a:t>
+              <a:t>5/13/2024</a:t>
             </a:fld>
             <a:endParaRPr lang="en-US"/>
           </a:p>
@@ -1986,7 +2016,7 @@
           <a:p>
             <a:fld id="{9BE96E13-98C0-411D-82DB-35DEDF20A67C}" type="datetimeFigureOut">
               <a:rPr lang="en-US" smtClean="0"/>
-              <a:t>5/12/2024</a:t>
+              <a:t>5/13/2024</a:t>
             </a:fld>
             <a:endParaRPr lang="en-US"/>
           </a:p>
@@ -2104,7 +2134,7 @@
           <a:p>
             <a:fld id="{9BE96E13-98C0-411D-82DB-35DEDF20A67C}" type="datetimeFigureOut">
               <a:rPr lang="en-US" smtClean="0"/>
-              <a:t>5/12/2024</a:t>
+              <a:t>5/13/2024</a:t>
             </a:fld>
             <a:endParaRPr lang="en-US"/>
           </a:p>
@@ -2275,7 +2305,7 @@
           <a:p>
             <a:fld id="{9BE96E13-98C0-411D-82DB-35DEDF20A67C}" type="datetimeFigureOut">
               <a:rPr lang="en-US" smtClean="0"/>
-              <a:t>5/12/2024</a:t>
+              <a:t>5/13/2024</a:t>
             </a:fld>
             <a:endParaRPr lang="en-US"/>
           </a:p>
@@ -2629,7 +2659,7 @@
           <a:p>
             <a:fld id="{9BE96E13-98C0-411D-82DB-35DEDF20A67C}" type="datetimeFigureOut">
               <a:rPr lang="en-US" smtClean="0"/>
-              <a:t>5/12/2024</a:t>
+              <a:t>5/13/2024</a:t>
             </a:fld>
             <a:endParaRPr lang="en-US"/>
           </a:p>
@@ -3011,7 +3041,7 @@
           <a:p>
             <a:fld id="{9BE96E13-98C0-411D-82DB-35DEDF20A67C}" type="datetimeFigureOut">
               <a:rPr lang="en-US" smtClean="0"/>
-              <a:t>5/12/2024</a:t>
+              <a:t>5/13/2024</a:t>
             </a:fld>
             <a:endParaRPr lang="en-US"/>
           </a:p>
@@ -3297,7 +3327,7 @@
           <a:p>
             <a:fld id="{9BE96E13-98C0-411D-82DB-35DEDF20A67C}" type="datetimeFigureOut">
               <a:rPr lang="en-US" smtClean="0"/>
-              <a:t>5/12/2024</a:t>
+              <a:t>5/13/2024</a:t>
             </a:fld>
             <a:endParaRPr lang="en-US"/>
           </a:p>
@@ -3991,15 +4021,39 @@
           <a:p>
             <a:r>
               <a:rPr lang="en-US" dirty="0"/>
-              <a:t>Saeed</a:t>
-            </a:r>
-          </a:p>
-          <a:p>
+              <a:t>Said </a:t>
+            </a:r>
             <a:r>
               <a:rPr lang="en-US" dirty="0" err="1"/>
-              <a:t>ahmed</a:t>
-            </a:r>
-            <a:endParaRPr lang="en-US"/>
+              <a:t>Iqelan</a:t>
+            </a:r>
+            <a:r>
+              <a:rPr lang="en-US" dirty="0"/>
+              <a:t> - 86701</a:t>
+            </a:r>
+          </a:p>
+          <a:p>
+            <a:r>
+              <a:rPr lang="en-US" dirty="0"/>
+              <a:t>Ahmed </a:t>
+            </a:r>
+            <a:r>
+              <a:rPr lang="en-US" dirty="0" err="1"/>
+              <a:t>Alabd</a:t>
+            </a:r>
+            <a:r>
+              <a:rPr lang="en-US" dirty="0"/>
+              <a:t> </a:t>
+            </a:r>
+            <a:r>
+              <a:rPr lang="en-US" dirty="0" err="1"/>
+              <a:t>Aljabar</a:t>
+            </a:r>
+            <a:r>
+              <a:rPr lang="en-US"/>
+              <a:t> - 92885</a:t>
+            </a:r>
+            <a:endParaRPr lang="en-US" dirty="0"/>
           </a:p>
         </p:txBody>
       </p:sp>
@@ -5014,33 +5068,19 @@
                 <a:ea typeface="+mn-lt"/>
                 <a:cs typeface="+mn-lt"/>
               </a:rPr>
-              <a:t>Saeed - Led the implementation of the model conversion from TensorFlow to </a:t>
-            </a:r>
-            <a:r>
-              <a:rPr lang="en-US" dirty="0" err="1">
-                <a:ea typeface="+mn-lt"/>
-                <a:cs typeface="+mn-lt"/>
-              </a:rPr>
-              <a:t>PyTorch</a:t>
-            </a:r>
+              <a:t>Saeed - Led the implementation of the model conversion from TensorFlow to PyTorch, optimized for GPU usage</a:t>
+            </a:r>
+            <a:endParaRPr lang="en-US" dirty="0"/>
+          </a:p>
+          <a:p>
             <a:r>
               <a:rPr lang="en-US" dirty="0">
                 <a:ea typeface="+mn-lt"/>
                 <a:cs typeface="+mn-lt"/>
               </a:rPr>
-              <a:t>, optimized for GPU usage</a:t>
-            </a:r>
-            <a:endParaRPr lang="en-US"/>
-          </a:p>
-          <a:p>
-            <a:r>
-              <a:rPr lang="en-US">
-                <a:ea typeface="+mn-lt"/>
-                <a:cs typeface="+mn-lt"/>
-              </a:rPr>
               <a:t>Youssef - Oversaw model architecture adjustments, and led testing and validation processes</a:t>
             </a:r>
-            <a:endParaRPr lang="en-US"/>
+            <a:endParaRPr lang="en-US" dirty="0"/>
           </a:p>
           <a:p>
             <a:endParaRPr lang="en-US" dirty="0"/>
